--- a/Slides/Razor_02.pptx
+++ b/Slides/Razor_02.pptx
@@ -274,7 +274,7 @@
           <a:p>
             <a:fld id="{0326F166-254E-4DB9-A921-28FE1BC122CB}" type="datetimeFigureOut">
               <a:rPr lang="en-US" smtClean="0"/>
-              <a:t>11/14/2021</a:t>
+              <a:t>1/18/2022</a:t>
             </a:fld>
             <a:endParaRPr lang="en-US"/>
           </a:p>
@@ -20902,7 +20902,7 @@
           <a:p>
             <a:fld id="{FC69B7DB-8367-4EA5-BD31-DC3A1C807884}" type="datetimeFigureOut">
               <a:rPr lang="en-US" smtClean="0"/>
-              <a:t>11/14/2021</a:t>
+              <a:t>1/18/2022</a:t>
             </a:fld>
             <a:endParaRPr lang="en-US" dirty="0"/>
           </a:p>
@@ -21279,7 +21279,7 @@
           <a:p>
             <a:fld id="{FC69B7DB-8367-4EA5-BD31-DC3A1C807884}" type="datetimeFigureOut">
               <a:rPr lang="en-US" smtClean="0"/>
-              <a:t>11/14/2021</a:t>
+              <a:t>1/18/2022</a:t>
             </a:fld>
             <a:endParaRPr lang="en-US" dirty="0"/>
           </a:p>
@@ -21715,7 +21715,7 @@
           <a:p>
             <a:fld id="{FC69B7DB-8367-4EA5-BD31-DC3A1C807884}" type="datetimeFigureOut">
               <a:rPr lang="en-US" smtClean="0"/>
-              <a:t>11/14/2021</a:t>
+              <a:t>1/18/2022</a:t>
             </a:fld>
             <a:endParaRPr lang="en-US" dirty="0"/>
           </a:p>
@@ -22285,7 +22285,7 @@
           <a:p>
             <a:fld id="{FC69B7DB-8367-4EA5-BD31-DC3A1C807884}" type="datetimeFigureOut">
               <a:rPr lang="en-US" smtClean="0"/>
-              <a:t>11/14/2021</a:t>
+              <a:t>1/18/2022</a:t>
             </a:fld>
             <a:endParaRPr lang="en-US" dirty="0"/>
           </a:p>
@@ -22551,7 +22551,7 @@
           <a:p>
             <a:fld id="{FC69B7DB-8367-4EA5-BD31-DC3A1C807884}" type="datetimeFigureOut">
               <a:rPr lang="en-US" smtClean="0"/>
-              <a:t>11/14/2021</a:t>
+              <a:t>1/18/2022</a:t>
             </a:fld>
             <a:endParaRPr lang="en-US" dirty="0"/>
           </a:p>
@@ -23016,7 +23016,7 @@
           <a:p>
             <a:fld id="{FC69B7DB-8367-4EA5-BD31-DC3A1C807884}" type="datetimeFigureOut">
               <a:rPr lang="en-US" smtClean="0"/>
-              <a:t>11/14/2021</a:t>
+              <a:t>1/18/2022</a:t>
             </a:fld>
             <a:endParaRPr lang="en-US" dirty="0"/>
           </a:p>
@@ -23464,7 +23464,7 @@
           <a:p>
             <a:fld id="{FC69B7DB-8367-4EA5-BD31-DC3A1C807884}" type="datetimeFigureOut">
               <a:rPr lang="en-US" smtClean="0"/>
-              <a:t>11/14/2021</a:t>
+              <a:t>1/18/2022</a:t>
             </a:fld>
             <a:endParaRPr lang="en-US" dirty="0"/>
           </a:p>
@@ -23908,7 +23908,7 @@
           <a:p>
             <a:fld id="{FC69B7DB-8367-4EA5-BD31-DC3A1C807884}" type="datetimeFigureOut">
               <a:rPr lang="en-US" smtClean="0"/>
-              <a:t>11/14/2021</a:t>
+              <a:t>1/18/2022</a:t>
             </a:fld>
             <a:endParaRPr lang="en-US" dirty="0"/>
           </a:p>
@@ -24102,7 +24102,7 @@
           <a:p>
             <a:fld id="{FC69B7DB-8367-4EA5-BD31-DC3A1C807884}" type="datetimeFigureOut">
               <a:rPr lang="en-US" smtClean="0"/>
-              <a:t>11/14/2021</a:t>
+              <a:t>1/18/2022</a:t>
             </a:fld>
             <a:endParaRPr lang="en-US" dirty="0"/>
           </a:p>
@@ -46699,7 +46699,7 @@
         <p:spPr>
           <a:xfrm>
             <a:off x="1296000" y="1564639"/>
-            <a:ext cx="8805944" cy="3606115"/>
+            <a:ext cx="8805944" cy="3298339"/>
           </a:xfrm>
           <a:prstGeom prst="rect">
             <a:avLst/>
@@ -46725,7 +46725,7 @@
                 <a:ea typeface="Times New Roman"/>
                 <a:cs typeface="Times New Roman"/>
               </a:rPr>
-              <a:t>Your team has chosen ASP.NET Core MVC as the most appropriate ASP.NET programming model to create the photo sharing application for the Adventure Works web application. You need to create a detailed project design for the application and have been given a set of functional and technical requirements with other information. You have to plan:</a:t>
+              <a:t>Your team has chosen ASP.NET Core as the most appropriate ASP.NET programming model to create the photo sharing application for the Adventure Works web application. You need to create a detailed project design for the application and have been given a set of functional and technical requirements with other information. You have to plan:</a:t>
             </a:r>
           </a:p>
           <a:p>
@@ -46747,7 +46747,7 @@
               <a:rPr lang="en-US" sz="2000" dirty="0">
                 <a:cs typeface="Segoe UI" pitchFamily="34" charset="0"/>
               </a:rPr>
-              <a:t>An MVC model that you can use to implement the desired functionality.</a:t>
+              <a:t>A model that you can use to implement the desired functionality.</a:t>
             </a:r>
           </a:p>
           <a:p>
@@ -46769,7 +46769,7 @@
               <a:rPr lang="en-US" sz="2000" dirty="0">
                 <a:cs typeface="Segoe UI" pitchFamily="34" charset="0"/>
               </a:rPr>
-              <a:t>One or more controllers and controller actions that respond to users actions.</a:t>
+              <a:t>One or more pages and handlers that respond to users actions.</a:t>
             </a:r>
           </a:p>
           <a:p>
@@ -46894,7 +46894,7 @@
             <a:r>
               <a:rPr lang="en-US" sz="2000" dirty="0"/>
               <a:t>What model classes should be created for the photo sharing application based on the initial investigation?
-What controllers should be created for the photo sharing application based on the initial investigation?
+What page models should be created for the photo sharing application based on the initial investigation?
 What views should be created for the photo sharing application?</a:t>
             </a:r>
           </a:p>

--- a/Slides/Razor_02.pptx
+++ b/Slides/Razor_02.pptx
@@ -274,7 +274,7 @@
           <a:p>
             <a:fld id="{0326F166-254E-4DB9-A921-28FE1BC122CB}" type="datetimeFigureOut">
               <a:rPr lang="en-US" smtClean="0"/>
-              <a:t>1/18/2022</a:t>
+              <a:t>2/9/2022</a:t>
             </a:fld>
             <a:endParaRPr lang="en-US"/>
           </a:p>
@@ -20902,7 +20902,7 @@
           <a:p>
             <a:fld id="{FC69B7DB-8367-4EA5-BD31-DC3A1C807884}" type="datetimeFigureOut">
               <a:rPr lang="en-US" smtClean="0"/>
-              <a:t>1/18/2022</a:t>
+              <a:t>2/9/2022</a:t>
             </a:fld>
             <a:endParaRPr lang="en-US" dirty="0"/>
           </a:p>
@@ -21279,7 +21279,7 @@
           <a:p>
             <a:fld id="{FC69B7DB-8367-4EA5-BD31-DC3A1C807884}" type="datetimeFigureOut">
               <a:rPr lang="en-US" smtClean="0"/>
-              <a:t>1/18/2022</a:t>
+              <a:t>2/9/2022</a:t>
             </a:fld>
             <a:endParaRPr lang="en-US" dirty="0"/>
           </a:p>
@@ -21715,7 +21715,7 @@
           <a:p>
             <a:fld id="{FC69B7DB-8367-4EA5-BD31-DC3A1C807884}" type="datetimeFigureOut">
               <a:rPr lang="en-US" smtClean="0"/>
-              <a:t>1/18/2022</a:t>
+              <a:t>2/9/2022</a:t>
             </a:fld>
             <a:endParaRPr lang="en-US" dirty="0"/>
           </a:p>
@@ -22285,7 +22285,7 @@
           <a:p>
             <a:fld id="{FC69B7DB-8367-4EA5-BD31-DC3A1C807884}" type="datetimeFigureOut">
               <a:rPr lang="en-US" smtClean="0"/>
-              <a:t>1/18/2022</a:t>
+              <a:t>2/9/2022</a:t>
             </a:fld>
             <a:endParaRPr lang="en-US" dirty="0"/>
           </a:p>
@@ -22551,7 +22551,7 @@
           <a:p>
             <a:fld id="{FC69B7DB-8367-4EA5-BD31-DC3A1C807884}" type="datetimeFigureOut">
               <a:rPr lang="en-US" smtClean="0"/>
-              <a:t>1/18/2022</a:t>
+              <a:t>2/9/2022</a:t>
             </a:fld>
             <a:endParaRPr lang="en-US" dirty="0"/>
           </a:p>
@@ -23016,7 +23016,7 @@
           <a:p>
             <a:fld id="{FC69B7DB-8367-4EA5-BD31-DC3A1C807884}" type="datetimeFigureOut">
               <a:rPr lang="en-US" smtClean="0"/>
-              <a:t>1/18/2022</a:t>
+              <a:t>2/9/2022</a:t>
             </a:fld>
             <a:endParaRPr lang="en-US" dirty="0"/>
           </a:p>
@@ -23464,7 +23464,7 @@
           <a:p>
             <a:fld id="{FC69B7DB-8367-4EA5-BD31-DC3A1C807884}" type="datetimeFigureOut">
               <a:rPr lang="en-US" smtClean="0"/>
-              <a:t>1/18/2022</a:t>
+              <a:t>2/9/2022</a:t>
             </a:fld>
             <a:endParaRPr lang="en-US" dirty="0"/>
           </a:p>
@@ -23908,7 +23908,7 @@
           <a:p>
             <a:fld id="{FC69B7DB-8367-4EA5-BD31-DC3A1C807884}" type="datetimeFigureOut">
               <a:rPr lang="en-US" smtClean="0"/>
-              <a:t>1/18/2022</a:t>
+              <a:t>2/9/2022</a:t>
             </a:fld>
             <a:endParaRPr lang="en-US" dirty="0"/>
           </a:p>
@@ -24102,7 +24102,7 @@
           <a:p>
             <a:fld id="{FC69B7DB-8367-4EA5-BD31-DC3A1C807884}" type="datetimeFigureOut">
               <a:rPr lang="en-US" smtClean="0"/>
-              <a:t>1/18/2022</a:t>
+              <a:t>2/9/2022</a:t>
             </a:fld>
             <a:endParaRPr lang="en-US" dirty="0"/>
           </a:p>
@@ -43500,6 +43500,31 @@
       </p:grpSpPr>
       <p:sp>
         <p:nvSpPr>
+          <p:cNvPr id="3" name="Content Placeholder 2">
+            <a:extLst>
+              <a:ext uri="{FF2B5EF4-FFF2-40B4-BE49-F238E27FC236}">
+                <a16:creationId xmlns:a16="http://schemas.microsoft.com/office/drawing/2014/main" id="{C7F8AFFF-665C-4A6F-B7FE-8C5C69C0FB10}"/>
+              </a:ext>
+            </a:extLst>
+          </p:cNvPr>
+          <p:cNvSpPr>
+            <a:spLocks noGrp="1"/>
+          </p:cNvSpPr>
+          <p:nvPr>
+            <p:ph idx="1"/>
+          </p:nvPr>
+        </p:nvSpPr>
+        <p:spPr/>
+        <p:txBody>
+          <a:bodyPr/>
+          <a:lstStyle/>
+          <a:p>
+            <a:endParaRPr lang="nl-NL"/>
+          </a:p>
+        </p:txBody>
+      </p:sp>
+      <p:sp>
+        <p:nvSpPr>
           <p:cNvPr id="2" name="Title 1"/>
           <p:cNvSpPr>
             <a:spLocks noGrp="1"/>
@@ -43920,6 +43945,38 @@
       </p:grpSpPr>
       <p:sp>
         <p:nvSpPr>
+          <p:cNvPr id="3" name="Text Placeholder 2"/>
+          <p:cNvSpPr>
+            <a:spLocks noGrp="1"/>
+          </p:cNvSpPr>
+          <p:nvPr>
+            <p:ph idx="1"/>
+          </p:nvPr>
+        </p:nvSpPr>
+        <p:spPr/>
+        <p:txBody>
+          <a:bodyPr>
+            <a:normAutofit/>
+          </a:bodyPr>
+          <a:lstStyle/>
+          <a:p>
+            <a:r>
+              <a:rPr lang="en-US" sz="2000" dirty="0"/>
+              <a:t>Designing Models
+Designing Views </a:t>
+            </a:r>
+          </a:p>
+          <a:p>
+            <a:r>
+              <a:rPr lang="en-US" sz="2000" dirty="0"/>
+              <a:t>Designing Handlers
+Information Architecture</a:t>
+            </a:r>
+          </a:p>
+        </p:txBody>
+      </p:sp>
+      <p:sp>
+        <p:nvSpPr>
           <p:cNvPr id="2" name="Title 1"/>
           <p:cNvSpPr>
             <a:spLocks noGrp="1"/>
@@ -43928,12 +43985,7 @@
             <p:ph type="title"/>
           </p:nvPr>
         </p:nvSpPr>
-        <p:spPr>
-          <a:xfrm>
-            <a:off x="1296000" y="740662"/>
-            <a:ext cx="8683625" cy="740664"/>
-          </a:xfrm>
-        </p:spPr>
+        <p:spPr/>
         <p:txBody>
           <a:bodyPr/>
           <a:lstStyle/>
@@ -43941,38 +43993,6 @@
             <a:r>
               <a:rPr lang="en-US" sz="2000" dirty="0"/>
               <a:t>Lesson 2: Designing Models, Pages and Handlers</a:t>
-            </a:r>
-          </a:p>
-        </p:txBody>
-      </p:sp>
-      <p:sp>
-        <p:nvSpPr>
-          <p:cNvPr id="3" name="Text Placeholder 2"/>
-          <p:cNvSpPr>
-            <a:spLocks noGrp="1"/>
-          </p:cNvSpPr>
-          <p:nvPr>
-            <p:ph type="body" idx="1"/>
-          </p:nvPr>
-        </p:nvSpPr>
-        <p:spPr/>
-        <p:txBody>
-          <a:bodyPr>
-            <a:normAutofit/>
-          </a:bodyPr>
-          <a:lstStyle/>
-          <a:p>
-            <a:r>
-              <a:rPr lang="en-US" sz="2000" dirty="0"/>
-              <a:t>Designing Models
-Designing Views </a:t>
-            </a:r>
-          </a:p>
-          <a:p>
-            <a:r>
-              <a:rPr lang="en-US" sz="2000" dirty="0"/>
-              <a:t>Designing Handlers
-Information Architecture</a:t>
             </a:r>
           </a:p>
         </p:txBody>
@@ -44009,6 +44029,31 @@
       </p:grpSpPr>
       <p:sp>
         <p:nvSpPr>
+          <p:cNvPr id="3" name="Content Placeholder 2">
+            <a:extLst>
+              <a:ext uri="{FF2B5EF4-FFF2-40B4-BE49-F238E27FC236}">
+                <a16:creationId xmlns:a16="http://schemas.microsoft.com/office/drawing/2014/main" id="{154E3B39-D88F-48D8-80B9-A5F407EF2A13}"/>
+              </a:ext>
+            </a:extLst>
+          </p:cNvPr>
+          <p:cNvSpPr>
+            <a:spLocks noGrp="1"/>
+          </p:cNvSpPr>
+          <p:nvPr>
+            <p:ph idx="1"/>
+          </p:nvPr>
+        </p:nvSpPr>
+        <p:spPr/>
+        <p:txBody>
+          <a:bodyPr/>
+          <a:lstStyle/>
+          <a:p>
+            <a:endParaRPr lang="nl-NL"/>
+          </a:p>
+        </p:txBody>
+      </p:sp>
+      <p:sp>
+        <p:nvSpPr>
           <p:cNvPr id="2" name="Title 1"/>
           <p:cNvSpPr>
             <a:spLocks noGrp="1"/>
@@ -44346,6 +44391,31 @@
           <a:chExt cx="0" cy="0"/>
         </a:xfrm>
       </p:grpSpPr>
+      <p:sp>
+        <p:nvSpPr>
+          <p:cNvPr id="3" name="Content Placeholder 2">
+            <a:extLst>
+              <a:ext uri="{FF2B5EF4-FFF2-40B4-BE49-F238E27FC236}">
+                <a16:creationId xmlns:a16="http://schemas.microsoft.com/office/drawing/2014/main" id="{B5B1F4F7-01FD-475F-B46F-A4987D818BEE}"/>
+              </a:ext>
+            </a:extLst>
+          </p:cNvPr>
+          <p:cNvSpPr>
+            <a:spLocks noGrp="1"/>
+          </p:cNvSpPr>
+          <p:nvPr>
+            <p:ph idx="1"/>
+          </p:nvPr>
+        </p:nvSpPr>
+        <p:spPr/>
+        <p:txBody>
+          <a:bodyPr/>
+          <a:lstStyle/>
+          <a:p>
+            <a:endParaRPr lang="nl-NL"/>
+          </a:p>
+        </p:txBody>
+      </p:sp>
       <p:sp>
         <p:nvSpPr>
           <p:cNvPr id="2" name="Title 1"/>
@@ -45391,6 +45461,31 @@
       </p:grpSpPr>
       <p:sp>
         <p:nvSpPr>
+          <p:cNvPr id="3" name="Content Placeholder 2">
+            <a:extLst>
+              <a:ext uri="{FF2B5EF4-FFF2-40B4-BE49-F238E27FC236}">
+                <a16:creationId xmlns:a16="http://schemas.microsoft.com/office/drawing/2014/main" id="{A0AA3FA0-EDD8-42A2-9B08-8E245958C378}"/>
+              </a:ext>
+            </a:extLst>
+          </p:cNvPr>
+          <p:cNvSpPr>
+            <a:spLocks noGrp="1"/>
+          </p:cNvSpPr>
+          <p:nvPr>
+            <p:ph idx="1"/>
+          </p:nvPr>
+        </p:nvSpPr>
+        <p:spPr/>
+        <p:txBody>
+          <a:bodyPr/>
+          <a:lstStyle/>
+          <a:p>
+            <a:endParaRPr lang="nl-NL"/>
+          </a:p>
+        </p:txBody>
+      </p:sp>
+      <p:sp>
+        <p:nvSpPr>
           <p:cNvPr id="2" name="Title 1"/>
           <p:cNvSpPr>
             <a:spLocks noGrp="1"/>
@@ -45755,6 +45850,31 @@
           <a:chExt cx="0" cy="0"/>
         </a:xfrm>
       </p:grpSpPr>
+      <p:sp>
+        <p:nvSpPr>
+          <p:cNvPr id="5" name="Content Placeholder 4">
+            <a:extLst>
+              <a:ext uri="{FF2B5EF4-FFF2-40B4-BE49-F238E27FC236}">
+                <a16:creationId xmlns:a16="http://schemas.microsoft.com/office/drawing/2014/main" id="{3DC254F8-DAED-42E7-BBFF-7CC37C99A024}"/>
+              </a:ext>
+            </a:extLst>
+          </p:cNvPr>
+          <p:cNvSpPr>
+            <a:spLocks noGrp="1"/>
+          </p:cNvSpPr>
+          <p:nvPr>
+            <p:ph idx="1"/>
+          </p:nvPr>
+        </p:nvSpPr>
+        <p:spPr/>
+        <p:txBody>
+          <a:bodyPr/>
+          <a:lstStyle/>
+          <a:p>
+            <a:endParaRPr lang="nl-NL"/>
+          </a:p>
+        </p:txBody>
+      </p:sp>
       <p:sp>
         <p:nvSpPr>
           <p:cNvPr id="2" name="Title 1"/>
@@ -46482,6 +46602,33 @@
       </p:grpSpPr>
       <p:sp>
         <p:nvSpPr>
+          <p:cNvPr id="3" name="Text Placeholder 2"/>
+          <p:cNvSpPr>
+            <a:spLocks noGrp="1"/>
+          </p:cNvSpPr>
+          <p:nvPr>
+            <p:ph idx="1"/>
+          </p:nvPr>
+        </p:nvSpPr>
+        <p:spPr/>
+        <p:txBody>
+          <a:bodyPr>
+            <a:normAutofit/>
+          </a:bodyPr>
+          <a:lstStyle/>
+          <a:p>
+            <a:r>
+              <a:rPr lang="en-US" sz="2000" dirty="0"/>
+              <a:t>Exercise 1: Planning Model Classes
+Exercise 2: Planning Page Handlers
+Exercise 3: Planning Pages
+Exercise 4: Architecting a Web Application</a:t>
+            </a:r>
+          </a:p>
+        </p:txBody>
+      </p:sp>
+      <p:sp>
+        <p:nvSpPr>
           <p:cNvPr id="2" name="Title 1"/>
           <p:cNvSpPr>
             <a:spLocks noGrp="1"/>
@@ -46490,12 +46637,7 @@
             <p:ph type="title"/>
           </p:nvPr>
         </p:nvSpPr>
-        <p:spPr>
-          <a:xfrm>
-            <a:off x="1151255" y="820838"/>
-            <a:ext cx="8683625" cy="740664"/>
-          </a:xfrm>
-        </p:spPr>
+        <p:spPr/>
         <p:txBody>
           <a:bodyPr/>
           <a:lstStyle/>
@@ -46503,38 +46645,6 @@
             <a:r>
               <a:rPr lang="en-US" sz="2400" dirty="0"/>
               <a:t>Lab: Designing ASP.NET Core Web Applications</a:t>
-            </a:r>
-          </a:p>
-        </p:txBody>
-      </p:sp>
-      <p:sp>
-        <p:nvSpPr>
-          <p:cNvPr id="3" name="Text Placeholder 2"/>
-          <p:cNvSpPr>
-            <a:spLocks noGrp="1"/>
-          </p:cNvSpPr>
-          <p:nvPr>
-            <p:ph type="body" idx="1"/>
-          </p:nvPr>
-        </p:nvSpPr>
-        <p:spPr>
-          <a:xfrm>
-            <a:off x="1151255" y="1561502"/>
-            <a:ext cx="8950689" cy="4265141"/>
-          </a:xfrm>
-        </p:spPr>
-        <p:txBody>
-          <a:bodyPr>
-            <a:normAutofit/>
-          </a:bodyPr>
-          <a:lstStyle/>
-          <a:p>
-            <a:r>
-              <a:rPr lang="en-US" sz="2000" dirty="0"/>
-              <a:t>Exercise 1: Planning Model Classes
-Exercise 2: Planning Page Handlers
-Exercise 3: Planning Pages
-Exercise 4: Architecting a Web Application</a:t>
             </a:r>
           </a:p>
         </p:txBody>
@@ -46602,7 +46712,38 @@
       </p:grpSpPr>
       <p:sp>
         <p:nvSpPr>
-          <p:cNvPr id="2" name="Title 1"/>
+          <p:cNvPr id="5" name="Content Placeholder 4">
+            <a:extLst>
+              <a:ext uri="{FF2B5EF4-FFF2-40B4-BE49-F238E27FC236}">
+                <a16:creationId xmlns:a16="http://schemas.microsoft.com/office/drawing/2014/main" id="{28261F1E-74FE-4E11-895B-DF8AC3480A7A}"/>
+              </a:ext>
+            </a:extLst>
+          </p:cNvPr>
+          <p:cNvSpPr>
+            <a:spLocks noGrp="1"/>
+          </p:cNvSpPr>
+          <p:nvPr>
+            <p:ph idx="1"/>
+          </p:nvPr>
+        </p:nvSpPr>
+        <p:spPr/>
+        <p:txBody>
+          <a:bodyPr/>
+          <a:lstStyle/>
+          <a:p>
+            <a:endParaRPr lang="nl-NL"/>
+          </a:p>
+        </p:txBody>
+      </p:sp>
+      <p:sp>
+        <p:nvSpPr>
+          <p:cNvPr id="4" name="Title 3">
+            <a:extLst>
+              <a:ext uri="{FF2B5EF4-FFF2-40B4-BE49-F238E27FC236}">
+                <a16:creationId xmlns:a16="http://schemas.microsoft.com/office/drawing/2014/main" id="{2F5EB3B4-CE51-464E-8144-FADA6792354C}"/>
+              </a:ext>
+            </a:extLst>
+          </p:cNvPr>
           <p:cNvSpPr>
             <a:spLocks noGrp="1"/>
           </p:cNvSpPr>
@@ -46615,26 +46756,7 @@
           <a:bodyPr/>
           <a:lstStyle/>
           <a:p>
-            <a:endParaRPr lang="en-US"/>
-          </a:p>
-        </p:txBody>
-      </p:sp>
-      <p:sp>
-        <p:nvSpPr>
-          <p:cNvPr id="3" name="Text Placeholder 2"/>
-          <p:cNvSpPr>
-            <a:spLocks noGrp="1"/>
-          </p:cNvSpPr>
-          <p:nvPr>
-            <p:ph type="body" idx="1"/>
-          </p:nvPr>
-        </p:nvSpPr>
-        <p:spPr/>
-        <p:txBody>
-          <a:bodyPr/>
-          <a:lstStyle/>
-          <a:p>
-            <a:endParaRPr lang="en-US"/>
+            <a:endParaRPr lang="nl-NL"/>
           </a:p>
         </p:txBody>
       </p:sp>
@@ -46670,6 +46792,31 @@
       </p:grpSpPr>
       <p:sp>
         <p:nvSpPr>
+          <p:cNvPr id="3" name="Content Placeholder 2">
+            <a:extLst>
+              <a:ext uri="{FF2B5EF4-FFF2-40B4-BE49-F238E27FC236}">
+                <a16:creationId xmlns:a16="http://schemas.microsoft.com/office/drawing/2014/main" id="{F2612098-6B18-4C22-8C96-BFFD1156CF62}"/>
+              </a:ext>
+            </a:extLst>
+          </p:cNvPr>
+          <p:cNvSpPr>
+            <a:spLocks noGrp="1"/>
+          </p:cNvSpPr>
+          <p:nvPr>
+            <p:ph idx="1"/>
+          </p:nvPr>
+        </p:nvSpPr>
+        <p:spPr/>
+        <p:txBody>
+          <a:bodyPr/>
+          <a:lstStyle/>
+          <a:p>
+            <a:endParaRPr lang="nl-NL"/>
+          </a:p>
+        </p:txBody>
+      </p:sp>
+      <p:sp>
+        <p:nvSpPr>
           <p:cNvPr id="2" name="Title 1"/>
           <p:cNvSpPr>
             <a:spLocks noGrp="1"/>
@@ -46850,6 +46997,32 @@
       </p:grpSpPr>
       <p:sp>
         <p:nvSpPr>
+          <p:cNvPr id="3" name="Text Placeholder 2"/>
+          <p:cNvSpPr>
+            <a:spLocks noGrp="1"/>
+          </p:cNvSpPr>
+          <p:nvPr>
+            <p:ph idx="1"/>
+          </p:nvPr>
+        </p:nvSpPr>
+        <p:spPr/>
+        <p:txBody>
+          <a:bodyPr>
+            <a:normAutofit/>
+          </a:bodyPr>
+          <a:lstStyle/>
+          <a:p>
+            <a:r>
+              <a:rPr lang="en-US" sz="2000" dirty="0"/>
+              <a:t>What model classes should be created for the photo sharing application based on the initial investigation?
+What page models should be created for the photo sharing application based on the initial investigation?
+What views should be created for the photo sharing application?</a:t>
+            </a:r>
+          </a:p>
+        </p:txBody>
+      </p:sp>
+      <p:sp>
+        <p:nvSpPr>
           <p:cNvPr id="2" name="Title 1"/>
           <p:cNvSpPr>
             <a:spLocks noGrp="1"/>
@@ -46870,32 +47043,6 @@
             <a:r>
               <a:rPr lang="en-US" dirty="0"/>
               <a:t> Review</a:t>
-            </a:r>
-          </a:p>
-        </p:txBody>
-      </p:sp>
-      <p:sp>
-        <p:nvSpPr>
-          <p:cNvPr id="3" name="Text Placeholder 2"/>
-          <p:cNvSpPr>
-            <a:spLocks noGrp="1"/>
-          </p:cNvSpPr>
-          <p:nvPr>
-            <p:ph type="body" idx="1"/>
-          </p:nvPr>
-        </p:nvSpPr>
-        <p:spPr/>
-        <p:txBody>
-          <a:bodyPr>
-            <a:normAutofit/>
-          </a:bodyPr>
-          <a:lstStyle/>
-          <a:p>
-            <a:r>
-              <a:rPr lang="en-US" sz="2000" dirty="0"/>
-              <a:t>What model classes should be created for the photo sharing application based on the initial investigation?
-What page models should be created for the photo sharing application based on the initial investigation?
-What views should be created for the photo sharing application?</a:t>
             </a:r>
           </a:p>
         </p:txBody>
@@ -46932,6 +47079,31 @@
       </p:grpSpPr>
       <p:sp>
         <p:nvSpPr>
+          <p:cNvPr id="3" name="Text Placeholder 2"/>
+          <p:cNvSpPr>
+            <a:spLocks noGrp="1"/>
+          </p:cNvSpPr>
+          <p:nvPr>
+            <p:ph idx="1"/>
+          </p:nvPr>
+        </p:nvSpPr>
+        <p:spPr/>
+        <p:txBody>
+          <a:bodyPr>
+            <a:normAutofit/>
+          </a:bodyPr>
+          <a:lstStyle/>
+          <a:p>
+            <a:r>
+              <a:rPr lang="en-US" sz="2000" dirty="0"/>
+              <a:t>Planning in the Project Design Phase
+Designing Models, Handlers and Pages</a:t>
+            </a:r>
+          </a:p>
+        </p:txBody>
+      </p:sp>
+      <p:sp>
+        <p:nvSpPr>
           <p:cNvPr id="2" name="Title 1"/>
           <p:cNvSpPr>
             <a:spLocks noGrp="1"/>
@@ -46948,31 +47120,6 @@
             <a:r>
               <a:rPr lang="en-US" sz="2400" dirty="0"/>
               <a:t>Module Overview</a:t>
-            </a:r>
-          </a:p>
-        </p:txBody>
-      </p:sp>
-      <p:sp>
-        <p:nvSpPr>
-          <p:cNvPr id="3" name="Text Placeholder 2"/>
-          <p:cNvSpPr>
-            <a:spLocks noGrp="1"/>
-          </p:cNvSpPr>
-          <p:nvPr>
-            <p:ph type="body" idx="1"/>
-          </p:nvPr>
-        </p:nvSpPr>
-        <p:spPr/>
-        <p:txBody>
-          <a:bodyPr>
-            <a:normAutofit/>
-          </a:bodyPr>
-          <a:lstStyle/>
-          <a:p>
-            <a:r>
-              <a:rPr lang="en-US" sz="2000" dirty="0"/>
-              <a:t>Planning in the Project Design Phase
-Designing Models, Handlers and Pages</a:t>
             </a:r>
           </a:p>
         </p:txBody>
@@ -47009,10 +47156,35 @@
       </p:grpSpPr>
       <p:sp>
         <p:nvSpPr>
-          <p:cNvPr id="2" name="Title 1">
+          <p:cNvPr id="5" name="Content Placeholder 4">
             <a:extLst>
               <a:ext uri="{FF2B5EF4-FFF2-40B4-BE49-F238E27FC236}">
-                <a16:creationId xmlns:a16="http://schemas.microsoft.com/office/drawing/2014/main" id="{27221C63-5AF9-4FBF-A0CB-6C57DDFDF785}"/>
+                <a16:creationId xmlns:a16="http://schemas.microsoft.com/office/drawing/2014/main" id="{99401D7B-31F1-4857-B768-2361E2380F5E}"/>
+              </a:ext>
+            </a:extLst>
+          </p:cNvPr>
+          <p:cNvSpPr>
+            <a:spLocks noGrp="1"/>
+          </p:cNvSpPr>
+          <p:nvPr>
+            <p:ph idx="1"/>
+          </p:nvPr>
+        </p:nvSpPr>
+        <p:spPr/>
+        <p:txBody>
+          <a:bodyPr/>
+          <a:lstStyle/>
+          <a:p>
+            <a:endParaRPr lang="nl-NL"/>
+          </a:p>
+        </p:txBody>
+      </p:sp>
+      <p:sp>
+        <p:nvSpPr>
+          <p:cNvPr id="4" name="Title 3">
+            <a:extLst>
+              <a:ext uri="{FF2B5EF4-FFF2-40B4-BE49-F238E27FC236}">
+                <a16:creationId xmlns:a16="http://schemas.microsoft.com/office/drawing/2014/main" id="{BFEF77D1-61CF-4C34-BE16-ADB12D2632FD}"/>
               </a:ext>
             </a:extLst>
           </p:cNvPr>
@@ -47028,32 +47200,7 @@
           <a:bodyPr/>
           <a:lstStyle/>
           <a:p>
-            <a:endParaRPr lang="en-US"/>
-          </a:p>
-        </p:txBody>
-      </p:sp>
-      <p:sp>
-        <p:nvSpPr>
-          <p:cNvPr id="3" name="Text Placeholder 2">
-            <a:extLst>
-              <a:ext uri="{FF2B5EF4-FFF2-40B4-BE49-F238E27FC236}">
-                <a16:creationId xmlns:a16="http://schemas.microsoft.com/office/drawing/2014/main" id="{ED085314-F470-4677-939C-BD15A274FAE3}"/>
-              </a:ext>
-            </a:extLst>
-          </p:cNvPr>
-          <p:cNvSpPr>
-            <a:spLocks noGrp="1"/>
-          </p:cNvSpPr>
-          <p:nvPr>
-            <p:ph type="body" idx="1"/>
-          </p:nvPr>
-        </p:nvSpPr>
-        <p:spPr/>
-        <p:txBody>
-          <a:bodyPr/>
-          <a:lstStyle/>
-          <a:p>
-            <a:endParaRPr lang="en-US"/>
+            <a:endParaRPr lang="nl-NL"/>
           </a:p>
         </p:txBody>
       </p:sp>
@@ -47089,6 +47236,34 @@
       </p:grpSpPr>
       <p:sp>
         <p:nvSpPr>
+          <p:cNvPr id="3" name="Text Placeholder 2"/>
+          <p:cNvSpPr>
+            <a:spLocks noGrp="1"/>
+          </p:cNvSpPr>
+          <p:nvPr>
+            <p:ph idx="1"/>
+          </p:nvPr>
+        </p:nvSpPr>
+        <p:spPr/>
+        <p:txBody>
+          <a:bodyPr>
+            <a:normAutofit/>
+          </a:bodyPr>
+          <a:lstStyle/>
+          <a:p>
+            <a:r>
+              <a:rPr lang="en-US" sz="2000" dirty="0"/>
+              <a:t>Review Question
+Real-world Issues and Scenarios
+Tools
+Best Practice
+Common Issues and Troubleshooting Tips</a:t>
+            </a:r>
+          </a:p>
+        </p:txBody>
+      </p:sp>
+      <p:sp>
+        <p:nvSpPr>
           <p:cNvPr id="2" name="Title 1"/>
           <p:cNvSpPr>
             <a:spLocks noGrp="1"/>
@@ -47113,34 +47288,6 @@
             <a:r>
               <a:rPr lang="en-US" dirty="0"/>
               <a:t> and Takeaways</a:t>
-            </a:r>
-          </a:p>
-        </p:txBody>
-      </p:sp>
-      <p:sp>
-        <p:nvSpPr>
-          <p:cNvPr id="3" name="Text Placeholder 2"/>
-          <p:cNvSpPr>
-            <a:spLocks noGrp="1"/>
-          </p:cNvSpPr>
-          <p:nvPr>
-            <p:ph type="body" idx="1"/>
-          </p:nvPr>
-        </p:nvSpPr>
-        <p:spPr/>
-        <p:txBody>
-          <a:bodyPr>
-            <a:normAutofit/>
-          </a:bodyPr>
-          <a:lstStyle/>
-          <a:p>
-            <a:r>
-              <a:rPr lang="en-US" sz="2000" dirty="0"/>
-              <a:t>Review Question
-Real-world Issues and Scenarios
-Tools
-Best Practice
-Common Issues and Troubleshooting Tips</a:t>
             </a:r>
           </a:p>
         </p:txBody>
@@ -47177,7 +47324,38 @@
       </p:grpSpPr>
       <p:sp>
         <p:nvSpPr>
-          <p:cNvPr id="2" name="Title 1"/>
+          <p:cNvPr id="5" name="Content Placeholder 4">
+            <a:extLst>
+              <a:ext uri="{FF2B5EF4-FFF2-40B4-BE49-F238E27FC236}">
+                <a16:creationId xmlns:a16="http://schemas.microsoft.com/office/drawing/2014/main" id="{3DBFA530-2237-4410-B703-11ED5B985923}"/>
+              </a:ext>
+            </a:extLst>
+          </p:cNvPr>
+          <p:cNvSpPr>
+            <a:spLocks noGrp="1"/>
+          </p:cNvSpPr>
+          <p:nvPr>
+            <p:ph idx="1"/>
+          </p:nvPr>
+        </p:nvSpPr>
+        <p:spPr/>
+        <p:txBody>
+          <a:bodyPr/>
+          <a:lstStyle/>
+          <a:p>
+            <a:endParaRPr lang="nl-NL"/>
+          </a:p>
+        </p:txBody>
+      </p:sp>
+      <p:sp>
+        <p:nvSpPr>
+          <p:cNvPr id="4" name="Title 3">
+            <a:extLst>
+              <a:ext uri="{FF2B5EF4-FFF2-40B4-BE49-F238E27FC236}">
+                <a16:creationId xmlns:a16="http://schemas.microsoft.com/office/drawing/2014/main" id="{C72AEE2A-7A2B-4BDD-AC6B-02C5D7B566D8}"/>
+              </a:ext>
+            </a:extLst>
+          </p:cNvPr>
           <p:cNvSpPr>
             <a:spLocks noGrp="1"/>
           </p:cNvSpPr>
@@ -47190,26 +47368,7 @@
           <a:bodyPr/>
           <a:lstStyle/>
           <a:p>
-            <a:endParaRPr lang="en-US"/>
-          </a:p>
-        </p:txBody>
-      </p:sp>
-      <p:sp>
-        <p:nvSpPr>
-          <p:cNvPr id="3" name="Text Placeholder 2"/>
-          <p:cNvSpPr>
-            <a:spLocks noGrp="1"/>
-          </p:cNvSpPr>
-          <p:nvPr>
-            <p:ph type="body" idx="1"/>
-          </p:nvPr>
-        </p:nvSpPr>
-        <p:spPr/>
-        <p:txBody>
-          <a:bodyPr/>
-          <a:lstStyle/>
-          <a:p>
-            <a:endParaRPr lang="en-US"/>
+            <a:endParaRPr lang="nl-NL"/>
           </a:p>
         </p:txBody>
       </p:sp>
@@ -47245,6 +47404,36 @@
       </p:grpSpPr>
       <p:sp>
         <p:nvSpPr>
+          <p:cNvPr id="3" name="Text Placeholder 2"/>
+          <p:cNvSpPr>
+            <a:spLocks noGrp="1"/>
+          </p:cNvSpPr>
+          <p:nvPr>
+            <p:ph idx="1"/>
+          </p:nvPr>
+        </p:nvSpPr>
+        <p:spPr/>
+        <p:txBody>
+          <a:bodyPr>
+            <a:normAutofit/>
+          </a:bodyPr>
+          <a:lstStyle/>
+          <a:p>
+            <a:r>
+              <a:rPr lang="en-US" sz="2000" dirty="0"/>
+              <a:t>Project Development Methodologies
+Gathering Requirements
+Planning the Database Design
+Planning for Distributed Applications
+Planning State Management
+Planning Globalization and Localization
+Planning Accessible Web Applications</a:t>
+            </a:r>
+          </a:p>
+        </p:txBody>
+      </p:sp>
+      <p:sp>
+        <p:nvSpPr>
           <p:cNvPr id="2" name="Title 1"/>
           <p:cNvSpPr>
             <a:spLocks noGrp="1"/>
@@ -47261,36 +47450,6 @@
             <a:r>
               <a:rPr lang="en-US" sz="2400" dirty="0"/>
               <a:t>Lesson 1: Planning in the Project Design Phase</a:t>
-            </a:r>
-          </a:p>
-        </p:txBody>
-      </p:sp>
-      <p:sp>
-        <p:nvSpPr>
-          <p:cNvPr id="3" name="Text Placeholder 2"/>
-          <p:cNvSpPr>
-            <a:spLocks noGrp="1"/>
-          </p:cNvSpPr>
-          <p:nvPr>
-            <p:ph type="body" idx="1"/>
-          </p:nvPr>
-        </p:nvSpPr>
-        <p:spPr/>
-        <p:txBody>
-          <a:bodyPr>
-            <a:normAutofit/>
-          </a:bodyPr>
-          <a:lstStyle/>
-          <a:p>
-            <a:r>
-              <a:rPr lang="en-US" sz="2000" dirty="0"/>
-              <a:t>Project Development Methodologies
-Gathering Requirements
-Planning the Database Design
-Planning for Distributed Applications
-Planning State Management
-Planning Globalization and Localization
-Planning Accessible Web Applications</a:t>
             </a:r>
           </a:p>
         </p:txBody>
@@ -47325,6 +47484,31 @@
           <a:chExt cx="0" cy="0"/>
         </a:xfrm>
       </p:grpSpPr>
+      <p:sp>
+        <p:nvSpPr>
+          <p:cNvPr id="3" name="Content Placeholder 2">
+            <a:extLst>
+              <a:ext uri="{FF2B5EF4-FFF2-40B4-BE49-F238E27FC236}">
+                <a16:creationId xmlns:a16="http://schemas.microsoft.com/office/drawing/2014/main" id="{98915819-E1BA-4B97-83A7-827E71253AFE}"/>
+              </a:ext>
+            </a:extLst>
+          </p:cNvPr>
+          <p:cNvSpPr>
+            <a:spLocks noGrp="1"/>
+          </p:cNvSpPr>
+          <p:nvPr>
+            <p:ph idx="1"/>
+          </p:nvPr>
+        </p:nvSpPr>
+        <p:spPr/>
+        <p:txBody>
+          <a:bodyPr/>
+          <a:lstStyle/>
+          <a:p>
+            <a:endParaRPr lang="nl-NL"/>
+          </a:p>
+        </p:txBody>
+      </p:sp>
       <p:sp>
         <p:nvSpPr>
           <p:cNvPr id="2" name="Title 1"/>
@@ -48427,6 +48611,31 @@
       </p:grpSpPr>
       <p:sp>
         <p:nvSpPr>
+          <p:cNvPr id="3" name="Content Placeholder 2">
+            <a:extLst>
+              <a:ext uri="{FF2B5EF4-FFF2-40B4-BE49-F238E27FC236}">
+                <a16:creationId xmlns:a16="http://schemas.microsoft.com/office/drawing/2014/main" id="{FEC16EEC-BBA3-40F9-92CD-366F0705CC0B}"/>
+              </a:ext>
+            </a:extLst>
+          </p:cNvPr>
+          <p:cNvSpPr>
+            <a:spLocks noGrp="1"/>
+          </p:cNvSpPr>
+          <p:nvPr>
+            <p:ph idx="1"/>
+          </p:nvPr>
+        </p:nvSpPr>
+        <p:spPr/>
+        <p:txBody>
+          <a:bodyPr/>
+          <a:lstStyle/>
+          <a:p>
+            <a:endParaRPr lang="nl-NL"/>
+          </a:p>
+        </p:txBody>
+      </p:sp>
+      <p:sp>
+        <p:nvSpPr>
           <p:cNvPr id="2" name="Title 1"/>
           <p:cNvSpPr>
             <a:spLocks noGrp="1"/>
@@ -48849,6 +49058,31 @@
       </p:grpSpPr>
       <p:sp>
         <p:nvSpPr>
+          <p:cNvPr id="3" name="Content Placeholder 2">
+            <a:extLst>
+              <a:ext uri="{FF2B5EF4-FFF2-40B4-BE49-F238E27FC236}">
+                <a16:creationId xmlns:a16="http://schemas.microsoft.com/office/drawing/2014/main" id="{9A8560A7-F52F-45D6-A90E-2313B9F20186}"/>
+              </a:ext>
+            </a:extLst>
+          </p:cNvPr>
+          <p:cNvSpPr>
+            <a:spLocks noGrp="1"/>
+          </p:cNvSpPr>
+          <p:nvPr>
+            <p:ph idx="1"/>
+          </p:nvPr>
+        </p:nvSpPr>
+        <p:spPr/>
+        <p:txBody>
+          <a:bodyPr/>
+          <a:lstStyle/>
+          <a:p>
+            <a:endParaRPr lang="nl-NL"/>
+          </a:p>
+        </p:txBody>
+      </p:sp>
+      <p:sp>
+        <p:nvSpPr>
           <p:cNvPr id="2" name="Title 1"/>
           <p:cNvSpPr>
             <a:spLocks noGrp="1"/>
@@ -49195,6 +49429,31 @@
           <a:chExt cx="0" cy="0"/>
         </a:xfrm>
       </p:grpSpPr>
+      <p:sp>
+        <p:nvSpPr>
+          <p:cNvPr id="5" name="Content Placeholder 4">
+            <a:extLst>
+              <a:ext uri="{FF2B5EF4-FFF2-40B4-BE49-F238E27FC236}">
+                <a16:creationId xmlns:a16="http://schemas.microsoft.com/office/drawing/2014/main" id="{9C02DA7F-98D8-4233-8AC0-5BA38B1AAD46}"/>
+              </a:ext>
+            </a:extLst>
+          </p:cNvPr>
+          <p:cNvSpPr>
+            <a:spLocks noGrp="1"/>
+          </p:cNvSpPr>
+          <p:nvPr>
+            <p:ph idx="1"/>
+          </p:nvPr>
+        </p:nvSpPr>
+        <p:spPr/>
+        <p:txBody>
+          <a:bodyPr/>
+          <a:lstStyle/>
+          <a:p>
+            <a:endParaRPr lang="nl-NL"/>
+          </a:p>
+        </p:txBody>
+      </p:sp>
       <p:sp>
         <p:nvSpPr>
           <p:cNvPr id="2" name="Title 1"/>
@@ -50050,6 +50309,31 @@
       </p:grpSpPr>
       <p:sp>
         <p:nvSpPr>
+          <p:cNvPr id="3" name="Content Placeholder 2">
+            <a:extLst>
+              <a:ext uri="{FF2B5EF4-FFF2-40B4-BE49-F238E27FC236}">
+                <a16:creationId xmlns:a16="http://schemas.microsoft.com/office/drawing/2014/main" id="{05EB1972-2CFD-4E6C-BC55-2979D7E6F7FA}"/>
+              </a:ext>
+            </a:extLst>
+          </p:cNvPr>
+          <p:cNvSpPr>
+            <a:spLocks noGrp="1"/>
+          </p:cNvSpPr>
+          <p:nvPr>
+            <p:ph idx="1"/>
+          </p:nvPr>
+        </p:nvSpPr>
+        <p:spPr/>
+        <p:txBody>
+          <a:bodyPr/>
+          <a:lstStyle/>
+          <a:p>
+            <a:endParaRPr lang="nl-NL"/>
+          </a:p>
+        </p:txBody>
+      </p:sp>
+      <p:sp>
+        <p:nvSpPr>
           <p:cNvPr id="2" name="Title 1"/>
           <p:cNvSpPr>
             <a:spLocks noGrp="1"/>
@@ -50428,6 +50712,31 @@
           <a:chExt cx="0" cy="0"/>
         </a:xfrm>
       </p:grpSpPr>
+      <p:sp>
+        <p:nvSpPr>
+          <p:cNvPr id="3" name="Content Placeholder 2">
+            <a:extLst>
+              <a:ext uri="{FF2B5EF4-FFF2-40B4-BE49-F238E27FC236}">
+                <a16:creationId xmlns:a16="http://schemas.microsoft.com/office/drawing/2014/main" id="{F9B5C1DF-AA23-4C80-A582-AE91C3760D34}"/>
+              </a:ext>
+            </a:extLst>
+          </p:cNvPr>
+          <p:cNvSpPr>
+            <a:spLocks noGrp="1"/>
+          </p:cNvSpPr>
+          <p:nvPr>
+            <p:ph idx="1"/>
+          </p:nvPr>
+        </p:nvSpPr>
+        <p:spPr/>
+        <p:txBody>
+          <a:bodyPr/>
+          <a:lstStyle/>
+          <a:p>
+            <a:endParaRPr lang="nl-NL"/>
+          </a:p>
+        </p:txBody>
+      </p:sp>
       <p:sp>
         <p:nvSpPr>
           <p:cNvPr id="2" name="Title 1"/>
